--- a/Addiction_2024_workshop_coroner_NLP.pptx
+++ b/Addiction_2024_workshop_coroner_NLP.pptx
@@ -142,14 +142,6 @@
     </p:ext>
   </p:extLst>
 </p:presentation>
-</file>
-
-<file path=ppt/revisionInfo.xml><?xml version="1.0" encoding="utf-8"?>
-<p1510:revInfo xmlns:a="http://schemas.openxmlformats.org/drawingml/2006/main" xmlns:r="http://schemas.openxmlformats.org/officeDocument/2006/relationships" xmlns:p1510="http://schemas.microsoft.com/office/powerpoint/2015/10/main">
-  <p1510:revLst>
-    <p1510:client id="{DE266A9D-A1C6-4B1A-A582-8D1C01EF97A3}" v="38" dt="2024-09-16T03:03:21.290"/>
-  </p1510:revLst>
-</p1510:revInfo>
 </file>
 
 <file path=ppt/changesInfos/changesInfo1.xml><?xml version="1.0" encoding="utf-8"?>
@@ -369,6 +361,202 @@
       </pc:sldChg>
     </pc:docChg>
   </pc:docChgLst>
+  <pc:docChgLst>
+    <pc:chgData name="David Goodman Jr" userId="d4c18b0a-d210-40ca-abc3-f69bbd2b1d55" providerId="ADAL" clId="{A50CE4FB-F50E-5C48-B7A4-8C7FEFE4F3FA}"/>
+    <pc:docChg chg="custSel modSld">
+      <pc:chgData name="David Goodman Jr" userId="d4c18b0a-d210-40ca-abc3-f69bbd2b1d55" providerId="ADAL" clId="{A50CE4FB-F50E-5C48-B7A4-8C7FEFE4F3FA}" dt="2024-10-18T01:51:06.810" v="12" actId="27636"/>
+      <pc:docMkLst>
+        <pc:docMk/>
+      </pc:docMkLst>
+      <pc:sldChg chg="addSp modSp">
+        <pc:chgData name="David Goodman Jr" userId="d4c18b0a-d210-40ca-abc3-f69bbd2b1d55" providerId="ADAL" clId="{A50CE4FB-F50E-5C48-B7A4-8C7FEFE4F3FA}" dt="2024-10-18T01:48:09.962" v="8"/>
+        <pc:sldMkLst>
+          <pc:docMk/>
+          <pc:sldMk cId="1448159452" sldId="260"/>
+        </pc:sldMkLst>
+        <pc:spChg chg="add mod">
+          <ac:chgData name="David Goodman Jr" userId="d4c18b0a-d210-40ca-abc3-f69bbd2b1d55" providerId="ADAL" clId="{A50CE4FB-F50E-5C48-B7A4-8C7FEFE4F3FA}" dt="2024-10-18T01:48:09.962" v="8"/>
+          <ac:spMkLst>
+            <pc:docMk/>
+            <pc:sldMk cId="1448159452" sldId="260"/>
+            <ac:spMk id="3" creationId="{887E4ED9-5D25-B338-52B8-B7AC4265DC2C}"/>
+          </ac:spMkLst>
+        </pc:spChg>
+      </pc:sldChg>
+      <pc:sldChg chg="addSp modSp">
+        <pc:chgData name="David Goodman Jr" userId="d4c18b0a-d210-40ca-abc3-f69bbd2b1d55" providerId="ADAL" clId="{A50CE4FB-F50E-5C48-B7A4-8C7FEFE4F3FA}" dt="2024-10-18T01:44:13.478" v="7"/>
+        <pc:sldMkLst>
+          <pc:docMk/>
+          <pc:sldMk cId="423137317" sldId="265"/>
+        </pc:sldMkLst>
+        <pc:spChg chg="add mod">
+          <ac:chgData name="David Goodman Jr" userId="d4c18b0a-d210-40ca-abc3-f69bbd2b1d55" providerId="ADAL" clId="{A50CE4FB-F50E-5C48-B7A4-8C7FEFE4F3FA}" dt="2024-10-18T01:44:13.478" v="7"/>
+          <ac:spMkLst>
+            <pc:docMk/>
+            <pc:sldMk cId="423137317" sldId="265"/>
+            <ac:spMk id="5" creationId="{9FBBEB12-88DF-C065-92A8-0DC330E08495}"/>
+          </ac:spMkLst>
+        </pc:spChg>
+      </pc:sldChg>
+      <pc:sldChg chg="modSp mod">
+        <pc:chgData name="David Goodman Jr" userId="d4c18b0a-d210-40ca-abc3-f69bbd2b1d55" providerId="ADAL" clId="{A50CE4FB-F50E-5C48-B7A4-8C7FEFE4F3FA}" dt="2024-10-18T01:51:06.810" v="12" actId="27636"/>
+        <pc:sldMkLst>
+          <pc:docMk/>
+          <pc:sldMk cId="1187619105" sldId="266"/>
+        </pc:sldMkLst>
+        <pc:spChg chg="mod">
+          <ac:chgData name="David Goodman Jr" userId="d4c18b0a-d210-40ca-abc3-f69bbd2b1d55" providerId="ADAL" clId="{A50CE4FB-F50E-5C48-B7A4-8C7FEFE4F3FA}" dt="2024-10-18T01:51:06.810" v="12" actId="27636"/>
+          <ac:spMkLst>
+            <pc:docMk/>
+            <pc:sldMk cId="1187619105" sldId="266"/>
+            <ac:spMk id="3" creationId="{503E6B30-C2B3-6541-B908-34DA317474D4}"/>
+          </ac:spMkLst>
+        </pc:spChg>
+      </pc:sldChg>
+      <pc:sldChg chg="addSp modSp mod">
+        <pc:chgData name="David Goodman Jr" userId="d4c18b0a-d210-40ca-abc3-f69bbd2b1d55" providerId="ADAL" clId="{A50CE4FB-F50E-5C48-B7A4-8C7FEFE4F3FA}" dt="2024-10-18T01:43:59.851" v="6" actId="207"/>
+        <pc:sldMkLst>
+          <pc:docMk/>
+          <pc:sldMk cId="2869737640" sldId="411"/>
+        </pc:sldMkLst>
+        <pc:spChg chg="add mod">
+          <ac:chgData name="David Goodman Jr" userId="d4c18b0a-d210-40ca-abc3-f69bbd2b1d55" providerId="ADAL" clId="{A50CE4FB-F50E-5C48-B7A4-8C7FEFE4F3FA}" dt="2024-10-18T01:43:59.851" v="6" actId="207"/>
+          <ac:spMkLst>
+            <pc:docMk/>
+            <pc:sldMk cId="2869737640" sldId="411"/>
+            <ac:spMk id="3" creationId="{48E7F8BF-83D0-2A7F-B2DE-060040D2B1E1}"/>
+          </ac:spMkLst>
+        </pc:spChg>
+      </pc:sldChg>
+    </pc:docChg>
+  </pc:docChgLst>
+  <pc:docChgLst>
+    <pc:chgData name="David Goodman-Meza" userId="d4c18b0a-d210-40ca-abc3-f69bbd2b1d55" providerId="ADAL" clId="{86379BD1-8B90-464B-B621-A27331564356}"/>
+    <pc:docChg chg="modSld">
+      <pc:chgData name="David Goodman-Meza" userId="d4c18b0a-d210-40ca-abc3-f69bbd2b1d55" providerId="ADAL" clId="{86379BD1-8B90-464B-B621-A27331564356}" dt="2024-09-17T02:50:57.835" v="25" actId="20577"/>
+      <pc:docMkLst>
+        <pc:docMk/>
+      </pc:docMkLst>
+      <pc:sldChg chg="addSp delSp modSp mod">
+        <pc:chgData name="David Goodman-Meza" userId="d4c18b0a-d210-40ca-abc3-f69bbd2b1d55" providerId="ADAL" clId="{86379BD1-8B90-464B-B621-A27331564356}" dt="2024-09-17T02:50:40.612" v="20" actId="1076"/>
+        <pc:sldMkLst>
+          <pc:docMk/>
+          <pc:sldMk cId="3316953531" sldId="256"/>
+        </pc:sldMkLst>
+        <pc:spChg chg="mod">
+          <ac:chgData name="David Goodman-Meza" userId="d4c18b0a-d210-40ca-abc3-f69bbd2b1d55" providerId="ADAL" clId="{86379BD1-8B90-464B-B621-A27331564356}" dt="2024-09-17T02:50:26.302" v="14" actId="1076"/>
+          <ac:spMkLst>
+            <pc:docMk/>
+            <pc:sldMk cId="3316953531" sldId="256"/>
+            <ac:spMk id="2" creationId="{076B6876-B0A5-704B-929E-5DACA96F34AE}"/>
+          </ac:spMkLst>
+        </pc:spChg>
+        <pc:spChg chg="mod">
+          <ac:chgData name="David Goodman-Meza" userId="d4c18b0a-d210-40ca-abc3-f69bbd2b1d55" providerId="ADAL" clId="{86379BD1-8B90-464B-B621-A27331564356}" dt="2024-09-17T02:50:40.612" v="20" actId="1076"/>
+          <ac:spMkLst>
+            <pc:docMk/>
+            <pc:sldMk cId="3316953531" sldId="256"/>
+            <ac:spMk id="3" creationId="{54193464-849C-4040-B512-0225D319374C}"/>
+          </ac:spMkLst>
+        </pc:spChg>
+        <pc:spChg chg="add mod">
+          <ac:chgData name="David Goodman-Meza" userId="d4c18b0a-d210-40ca-abc3-f69bbd2b1d55" providerId="ADAL" clId="{86379BD1-8B90-464B-B621-A27331564356}" dt="2024-09-17T02:50:01.400" v="9" actId="478"/>
+          <ac:spMkLst>
+            <pc:docMk/>
+            <pc:sldMk cId="3316953531" sldId="256"/>
+            <ac:spMk id="6" creationId="{AD961DA3-4A71-87AE-6FCF-568C58738B33}"/>
+          </ac:spMkLst>
+        </pc:spChg>
+        <pc:spChg chg="add mod">
+          <ac:chgData name="David Goodman-Meza" userId="d4c18b0a-d210-40ca-abc3-f69bbd2b1d55" providerId="ADAL" clId="{86379BD1-8B90-464B-B621-A27331564356}" dt="2024-09-17T02:50:01.400" v="9" actId="478"/>
+          <ac:spMkLst>
+            <pc:docMk/>
+            <pc:sldMk cId="3316953531" sldId="256"/>
+            <ac:spMk id="8" creationId="{C95BA6C0-7FC8-26DB-E5E2-CB4F4B931904}"/>
+          </ac:spMkLst>
+        </pc:spChg>
+        <pc:grpChg chg="add mod">
+          <ac:chgData name="David Goodman-Meza" userId="d4c18b0a-d210-40ca-abc3-f69bbd2b1d55" providerId="ADAL" clId="{86379BD1-8B90-464B-B621-A27331564356}" dt="2024-09-17T02:50:01.400" v="9" actId="478"/>
+          <ac:grpSpMkLst>
+            <pc:docMk/>
+            <pc:sldMk cId="3316953531" sldId="256"/>
+            <ac:grpSpMk id="13" creationId="{35629CBD-A238-D5A2-013A-7F2DD2922F12}"/>
+          </ac:grpSpMkLst>
+        </pc:grpChg>
+        <pc:picChg chg="add mod">
+          <ac:chgData name="David Goodman-Meza" userId="d4c18b0a-d210-40ca-abc3-f69bbd2b1d55" providerId="ADAL" clId="{86379BD1-8B90-464B-B621-A27331564356}" dt="2024-09-17T02:50:01.400" v="9" actId="478"/>
+          <ac:picMkLst>
+            <pc:docMk/>
+            <pc:sldMk cId="3316953531" sldId="256"/>
+            <ac:picMk id="5" creationId="{164DD838-83E4-7939-537C-6C9E00B59871}"/>
+          </ac:picMkLst>
+        </pc:picChg>
+        <pc:picChg chg="add mod">
+          <ac:chgData name="David Goodman-Meza" userId="d4c18b0a-d210-40ca-abc3-f69bbd2b1d55" providerId="ADAL" clId="{86379BD1-8B90-464B-B621-A27331564356}" dt="2024-09-17T02:50:01.400" v="9" actId="478"/>
+          <ac:picMkLst>
+            <pc:docMk/>
+            <pc:sldMk cId="3316953531" sldId="256"/>
+            <ac:picMk id="7" creationId="{B0BA5B9E-AD7B-6521-1E15-69CFE5720189}"/>
+          </ac:picMkLst>
+        </pc:picChg>
+        <pc:picChg chg="add del mod">
+          <ac:chgData name="David Goodman-Meza" userId="d4c18b0a-d210-40ca-abc3-f69bbd2b1d55" providerId="ADAL" clId="{86379BD1-8B90-464B-B621-A27331564356}" dt="2024-09-17T02:50:01.400" v="9" actId="478"/>
+          <ac:picMkLst>
+            <pc:docMk/>
+            <pc:sldMk cId="3316953531" sldId="256"/>
+            <ac:picMk id="9" creationId="{D7E138F7-0435-CB86-470B-79F1BB560D6C}"/>
+          </ac:picMkLst>
+        </pc:picChg>
+        <pc:picChg chg="add del mod">
+          <ac:chgData name="David Goodman-Meza" userId="d4c18b0a-d210-40ca-abc3-f69bbd2b1d55" providerId="ADAL" clId="{86379BD1-8B90-464B-B621-A27331564356}" dt="2024-09-17T02:49:57.284" v="7" actId="478"/>
+          <ac:picMkLst>
+            <pc:docMk/>
+            <pc:sldMk cId="3316953531" sldId="256"/>
+            <ac:picMk id="10" creationId="{427FD351-BB50-24B4-C41D-8BACBBDCB99A}"/>
+          </ac:picMkLst>
+        </pc:picChg>
+        <pc:picChg chg="add del mod">
+          <ac:chgData name="David Goodman-Meza" userId="d4c18b0a-d210-40ca-abc3-f69bbd2b1d55" providerId="ADAL" clId="{86379BD1-8B90-464B-B621-A27331564356}" dt="2024-09-17T02:49:59.184" v="8" actId="478"/>
+          <ac:picMkLst>
+            <pc:docMk/>
+            <pc:sldMk cId="3316953531" sldId="256"/>
+            <ac:picMk id="11" creationId="{22F95BF0-AAFD-FC4C-35F4-FF2080AC10C4}"/>
+          </ac:picMkLst>
+        </pc:picChg>
+        <pc:picChg chg="add mod">
+          <ac:chgData name="David Goodman-Meza" userId="d4c18b0a-d210-40ca-abc3-f69bbd2b1d55" providerId="ADAL" clId="{86379BD1-8B90-464B-B621-A27331564356}" dt="2024-09-17T02:50:01.400" v="9" actId="478"/>
+          <ac:picMkLst>
+            <pc:docMk/>
+            <pc:sldMk cId="3316953531" sldId="256"/>
+            <ac:picMk id="12" creationId="{F3AD07AF-71A4-A835-C86C-22FFE6977051}"/>
+          </ac:picMkLst>
+        </pc:picChg>
+        <pc:picChg chg="mod">
+          <ac:chgData name="David Goodman-Meza" userId="d4c18b0a-d210-40ca-abc3-f69bbd2b1d55" providerId="ADAL" clId="{86379BD1-8B90-464B-B621-A27331564356}" dt="2024-09-17T02:50:16.725" v="13" actId="167"/>
+          <ac:picMkLst>
+            <pc:docMk/>
+            <pc:sldMk cId="3316953531" sldId="256"/>
+            <ac:picMk id="1028" creationId="{CC9A955C-3000-6249-9FD2-FFFB7F089222}"/>
+          </ac:picMkLst>
+        </pc:picChg>
+      </pc:sldChg>
+      <pc:sldChg chg="modSp mod">
+        <pc:chgData name="David Goodman-Meza" userId="d4c18b0a-d210-40ca-abc3-f69bbd2b1d55" providerId="ADAL" clId="{86379BD1-8B90-464B-B621-A27331564356}" dt="2024-09-17T02:50:57.835" v="25" actId="20577"/>
+        <pc:sldMkLst>
+          <pc:docMk/>
+          <pc:sldMk cId="1941889338" sldId="318"/>
+        </pc:sldMkLst>
+        <pc:spChg chg="mod">
+          <ac:chgData name="David Goodman-Meza" userId="d4c18b0a-d210-40ca-abc3-f69bbd2b1d55" providerId="ADAL" clId="{86379BD1-8B90-464B-B621-A27331564356}" dt="2024-09-17T02:50:57.835" v="25" actId="20577"/>
+          <ac:spMkLst>
+            <pc:docMk/>
+            <pc:sldMk cId="1941889338" sldId="318"/>
+            <ac:spMk id="3" creationId="{0FF170F3-A11B-71F8-2835-17CBF2BA2922}"/>
+          </ac:spMkLst>
+        </pc:spChg>
+      </pc:sldChg>
+    </pc:docChg>
+  </pc:docChgLst>
 </pc:chgInfo>
 </file>
 
@@ -519,7 +707,7 @@
           <a:p>
             <a:fld id="{6BCB910A-3DE7-7648-8D6F-5B97A5E5BFE1}" type="datetimeFigureOut">
               <a:rPr lang="en-US" smtClean="0"/>
-              <a:t>9/16/2024</a:t>
+              <a:t>10/18/24</a:t>
             </a:fld>
             <a:endParaRPr lang="en-US"/>
           </a:p>
@@ -717,7 +905,7 @@
           <a:p>
             <a:fld id="{6BCB910A-3DE7-7648-8D6F-5B97A5E5BFE1}" type="datetimeFigureOut">
               <a:rPr lang="en-US" smtClean="0"/>
-              <a:t>9/16/2024</a:t>
+              <a:t>10/18/24</a:t>
             </a:fld>
             <a:endParaRPr lang="en-US"/>
           </a:p>
@@ -925,7 +1113,7 @@
           <a:p>
             <a:fld id="{6BCB910A-3DE7-7648-8D6F-5B97A5E5BFE1}" type="datetimeFigureOut">
               <a:rPr lang="en-US" smtClean="0"/>
-              <a:t>9/16/2024</a:t>
+              <a:t>10/18/24</a:t>
             </a:fld>
             <a:endParaRPr lang="en-US"/>
           </a:p>
@@ -1123,7 +1311,7 @@
           <a:p>
             <a:fld id="{6BCB910A-3DE7-7648-8D6F-5B97A5E5BFE1}" type="datetimeFigureOut">
               <a:rPr lang="en-US" smtClean="0"/>
-              <a:t>9/16/2024</a:t>
+              <a:t>10/18/24</a:t>
             </a:fld>
             <a:endParaRPr lang="en-US"/>
           </a:p>
@@ -1398,7 +1586,7 @@
           <a:p>
             <a:fld id="{6BCB910A-3DE7-7648-8D6F-5B97A5E5BFE1}" type="datetimeFigureOut">
               <a:rPr lang="en-US" smtClean="0"/>
-              <a:t>9/16/2024</a:t>
+              <a:t>10/18/24</a:t>
             </a:fld>
             <a:endParaRPr lang="en-US"/>
           </a:p>
@@ -1663,7 +1851,7 @@
           <a:p>
             <a:fld id="{6BCB910A-3DE7-7648-8D6F-5B97A5E5BFE1}" type="datetimeFigureOut">
               <a:rPr lang="en-US" smtClean="0"/>
-              <a:t>9/16/2024</a:t>
+              <a:t>10/18/24</a:t>
             </a:fld>
             <a:endParaRPr lang="en-US"/>
           </a:p>
@@ -2075,7 +2263,7 @@
           <a:p>
             <a:fld id="{6BCB910A-3DE7-7648-8D6F-5B97A5E5BFE1}" type="datetimeFigureOut">
               <a:rPr lang="en-US" smtClean="0"/>
-              <a:t>9/16/2024</a:t>
+              <a:t>10/18/24</a:t>
             </a:fld>
             <a:endParaRPr lang="en-US"/>
           </a:p>
@@ -2216,7 +2404,7 @@
           <a:p>
             <a:fld id="{6BCB910A-3DE7-7648-8D6F-5B97A5E5BFE1}" type="datetimeFigureOut">
               <a:rPr lang="en-US" smtClean="0"/>
-              <a:t>9/16/2024</a:t>
+              <a:t>10/18/24</a:t>
             </a:fld>
             <a:endParaRPr lang="en-US"/>
           </a:p>
@@ -2329,7 +2517,7 @@
           <a:p>
             <a:fld id="{6BCB910A-3DE7-7648-8D6F-5B97A5E5BFE1}" type="datetimeFigureOut">
               <a:rPr lang="en-US" smtClean="0"/>
-              <a:t>9/16/2024</a:t>
+              <a:t>10/18/24</a:t>
             </a:fld>
             <a:endParaRPr lang="en-US"/>
           </a:p>
@@ -2640,7 +2828,7 @@
           <a:p>
             <a:fld id="{6BCB910A-3DE7-7648-8D6F-5B97A5E5BFE1}" type="datetimeFigureOut">
               <a:rPr lang="en-US" smtClean="0"/>
-              <a:t>9/16/2024</a:t>
+              <a:t>10/18/24</a:t>
             </a:fld>
             <a:endParaRPr lang="en-US"/>
           </a:p>
@@ -2928,7 +3116,7 @@
           <a:p>
             <a:fld id="{6BCB910A-3DE7-7648-8D6F-5B97A5E5BFE1}" type="datetimeFigureOut">
               <a:rPr lang="en-US" smtClean="0"/>
-              <a:t>9/16/2024</a:t>
+              <a:t>10/18/24</a:t>
             </a:fld>
             <a:endParaRPr lang="en-US"/>
           </a:p>
@@ -3171,7 +3359,7 @@
             <a:fld id="{6BCB910A-3DE7-7648-8D6F-5B97A5E5BFE1}" type="datetimeFigureOut">
               <a:rPr lang="en-US" smtClean="0"/>
               <a:pPr/>
-              <a:t>9/16/2024</a:t>
+              <a:t>10/18/24</a:t>
             </a:fld>
             <a:endParaRPr lang="en-US"/>
           </a:p>
@@ -3593,10 +3781,10 @@
       </p:grpSpPr>
       <p:pic>
         <p:nvPicPr>
-          <p:cNvPr id="1025" name="Picture 2" descr="EAVI2020University of New South Wales (UNSW Australia) - EAVI2020">
-            <a:extLst>
-              <a:ext uri="{FF2B5EF4-FFF2-40B4-BE49-F238E27FC236}">
-                <a16:creationId xmlns:a16="http://schemas.microsoft.com/office/drawing/2014/main" id="{8494749D-7A57-8A4B-A35C-1DA33D4F6AF3}"/>
+          <p:cNvPr id="1028" name="Picture 4" descr="Brand Guidelines | Identity | Logos and Marks">
+            <a:extLst>
+              <a:ext uri="{FF2B5EF4-FFF2-40B4-BE49-F238E27FC236}">
+                <a16:creationId xmlns:a16="http://schemas.microsoft.com/office/drawing/2014/main" id="{CC9A955C-3000-6249-9FD2-FFFB7F089222}"/>
               </a:ext>
             </a:extLst>
           </p:cNvPr>
@@ -3606,7 +3794,54 @@
           <p:nvPr/>
         </p:nvPicPr>
         <p:blipFill>
-          <a:blip r:embed="rId2" r:link="rId3">
+          <a:blip r:embed="rId2">
+            <a:extLst>
+              <a:ext uri="{28A0092B-C50C-407E-A947-70E740481C1C}">
+                <a14:useLocalDpi xmlns:a14="http://schemas.microsoft.com/office/drawing/2010/main" val="0"/>
+              </a:ext>
+            </a:extLst>
+          </a:blip>
+          <a:srcRect/>
+          <a:stretch>
+            <a:fillRect/>
+          </a:stretch>
+        </p:blipFill>
+        <p:spPr bwMode="auto">
+          <a:xfrm>
+            <a:off x="97692" y="4935414"/>
+            <a:ext cx="2742292" cy="1922585"/>
+          </a:xfrm>
+          <a:prstGeom prst="rect">
+            <a:avLst/>
+          </a:prstGeom>
+          <a:noFill/>
+          <a:extLst>
+            <a:ext uri="{909E8E84-426E-40DD-AFC4-6F175D3DCCD1}">
+              <a14:hiddenFill xmlns:a14="http://schemas.microsoft.com/office/drawing/2010/main">
+                <a:solidFill>
+                  <a:srgbClr val="FFFFFF"/>
+                </a:solidFill>
+              </a14:hiddenFill>
+            </a:ext>
+          </a:extLst>
+        </p:spPr>
+      </p:pic>
+      <p:pic>
+        <p:nvPicPr>
+          <p:cNvPr id="1025" name="Picture 2" descr="EAVI2020University of New South Wales (UNSW Australia) - EAVI2020">
+            <a:extLst>
+              <a:ext uri="{FF2B5EF4-FFF2-40B4-BE49-F238E27FC236}">
+                <a16:creationId xmlns:a16="http://schemas.microsoft.com/office/drawing/2014/main" id="{8494749D-7A57-8A4B-A35C-1DA33D4F6AF3}"/>
+              </a:ext>
+            </a:extLst>
+          </p:cNvPr>
+          <p:cNvPicPr>
+            <a:picLocks noChangeAspect="1" noChangeArrowheads="1"/>
+          </p:cNvPicPr>
+          <p:nvPr/>
+        </p:nvPicPr>
+        <p:blipFill>
+          <a:blip r:embed="rId3" r:link="rId4">
             <a:extLst>
               <a:ext uri="{28A0092B-C50C-407E-A947-70E740481C1C}">
                 <a14:useLocalDpi xmlns:a14="http://schemas.microsoft.com/office/drawing/2010/main" val="0"/>
@@ -3656,7 +3891,7 @@
         </p:nvSpPr>
         <p:spPr>
           <a:xfrm>
-            <a:off x="1524000" y="331059"/>
+            <a:off x="1524000" y="1279380"/>
             <a:ext cx="9144000" cy="2387600"/>
           </a:xfrm>
         </p:spPr>
@@ -3698,7 +3933,7 @@
         </p:nvSpPr>
         <p:spPr>
           <a:xfrm>
-            <a:off x="1122090" y="2883080"/>
+            <a:off x="1122090" y="3792169"/>
             <a:ext cx="9947820" cy="2286487"/>
           </a:xfrm>
         </p:spPr>
@@ -3720,8 +3955,6 @@
               <a:rPr lang="en-US" dirty="0"/>
               <a:t>Chelsea Shover, PhD</a:t>
             </a:r>
-          </a:p>
-          <a:p>
             <a:endParaRPr lang="en-US" dirty="0">
               <a:latin typeface="Helvetica" pitchFamily="2" charset="0"/>
             </a:endParaRPr>
@@ -3729,13 +3962,7 @@
           <a:p>
             <a:r>
               <a:rPr lang="en-US" dirty="0"/>
-              <a:t>Funding: U.S. National Institute on Drug Abuse</a:t>
-            </a:r>
-          </a:p>
-          <a:p>
-            <a:r>
-              <a:rPr lang="en-US" dirty="0"/>
-              <a:t>R01DA057630-01</a:t>
+              <a:t>Funding: U.S. National Institute on Drug Abuse R01DA057630-01</a:t>
             </a:r>
             <a:endParaRPr lang="en-US" dirty="0">
               <a:latin typeface="Helvetica" pitchFamily="2" charset="0"/>
@@ -3812,53 +4039,433 @@
           </a:p>
         </p:txBody>
       </p:sp>
-      <p:pic>
-        <p:nvPicPr>
-          <p:cNvPr id="1028" name="Picture 4" descr="Brand Guidelines | Identity | Logos and Marks">
-            <a:extLst>
-              <a:ext uri="{FF2B5EF4-FFF2-40B4-BE49-F238E27FC236}">
-                <a16:creationId xmlns:a16="http://schemas.microsoft.com/office/drawing/2014/main" id="{CC9A955C-3000-6249-9FD2-FFFB7F089222}"/>
-              </a:ext>
-            </a:extLst>
-          </p:cNvPr>
-          <p:cNvPicPr>
-            <a:picLocks noChangeAspect="1" noChangeArrowheads="1"/>
-          </p:cNvPicPr>
+      <p:grpSp>
+        <p:nvGrpSpPr>
+          <p:cNvPr id="13" name="Group 12">
+            <a:extLst>
+              <a:ext uri="{FF2B5EF4-FFF2-40B4-BE49-F238E27FC236}">
+                <a16:creationId xmlns:a16="http://schemas.microsoft.com/office/drawing/2014/main" id="{35629CBD-A238-D5A2-013A-7F2DD2922F12}"/>
+              </a:ext>
+            </a:extLst>
+          </p:cNvPr>
+          <p:cNvGrpSpPr/>
           <p:nvPr/>
-        </p:nvPicPr>
-        <p:blipFill>
-          <a:blip r:embed="rId4">
-            <a:extLst>
-              <a:ext uri="{28A0092B-C50C-407E-A947-70E740481C1C}">
-                <a14:useLocalDpi xmlns:a14="http://schemas.microsoft.com/office/drawing/2010/main" val="0"/>
-              </a:ext>
-            </a:extLst>
-          </a:blip>
-          <a:srcRect/>
-          <a:stretch>
-            <a:fillRect/>
-          </a:stretch>
-        </p:blipFill>
-        <p:spPr bwMode="auto">
+        </p:nvGrpSpPr>
+        <p:grpSpPr>
           <a:xfrm>
-            <a:off x="97692" y="4935414"/>
-            <a:ext cx="2742292" cy="1922585"/>
+            <a:off x="0" y="-19597"/>
+            <a:ext cx="12192000" cy="907783"/>
+            <a:chOff x="0" y="0"/>
+            <a:chExt cx="18719800" cy="1393825"/>
           </a:xfrm>
-          <a:prstGeom prst="rect">
-            <a:avLst/>
-          </a:prstGeom>
-          <a:noFill/>
-          <a:extLst>
-            <a:ext uri="{909E8E84-426E-40DD-AFC4-6F175D3DCCD1}">
-              <a14:hiddenFill xmlns:a14="http://schemas.microsoft.com/office/drawing/2010/main">
+        </p:grpSpPr>
+        <p:pic>
+          <p:nvPicPr>
+            <p:cNvPr id="5" name="Imagem 37">
+              <a:extLst>
+                <a:ext uri="{FF2B5EF4-FFF2-40B4-BE49-F238E27FC236}">
+                  <a16:creationId xmlns:a16="http://schemas.microsoft.com/office/drawing/2014/main" id="{164DD838-83E4-7939-537C-6C9E00B59871}"/>
+                </a:ext>
+              </a:extLst>
+            </p:cNvPr>
+            <p:cNvPicPr>
+              <a:picLocks noChangeAspect="1" noChangeArrowheads="1"/>
+            </p:cNvPicPr>
+            <p:nvPr/>
+          </p:nvPicPr>
+          <p:blipFill>
+            <a:blip r:embed="rId5">
+              <a:extLst>
+                <a:ext uri="{28A0092B-C50C-407E-A947-70E740481C1C}">
+                  <a14:useLocalDpi xmlns:a14="http://schemas.microsoft.com/office/drawing/2010/main" val="0"/>
+                </a:ext>
+              </a:extLst>
+            </a:blip>
+            <a:srcRect/>
+            <a:stretch>
+              <a:fillRect/>
+            </a:stretch>
+          </p:blipFill>
+          <p:spPr bwMode="auto">
+            <a:xfrm>
+              <a:off x="0" y="0"/>
+              <a:ext cx="18719800" cy="1379538"/>
+            </a:xfrm>
+            <a:prstGeom prst="rect">
+              <a:avLst/>
+            </a:prstGeom>
+            <a:noFill/>
+            <a:ln>
+              <a:noFill/>
+            </a:ln>
+            <a:extLst>
+              <a:ext uri="{909E8E84-426E-40DD-AFC4-6F175D3DCCD1}">
+                <a14:hiddenFill xmlns:a14="http://schemas.microsoft.com/office/drawing/2010/main">
+                  <a:solidFill>
+                    <a:srgbClr val="FFFFFF"/>
+                  </a:solidFill>
+                </a14:hiddenFill>
+              </a:ext>
+              <a:ext uri="{91240B29-F687-4F45-9708-019B960494DF}">
+                <a14:hiddenLine xmlns:a14="http://schemas.microsoft.com/office/drawing/2010/main" w="9525">
+                  <a:solidFill>
+                    <a:srgbClr val="000000"/>
+                  </a:solidFill>
+                  <a:miter lim="800000"/>
+                  <a:headEnd/>
+                  <a:tailEnd/>
+                </a14:hiddenLine>
+              </a:ext>
+            </a:extLst>
+          </p:spPr>
+        </p:pic>
+        <p:sp>
+          <p:nvSpPr>
+            <p:cNvPr id="6" name="Triângulo isósceles 33">
+              <a:extLst>
+                <a:ext uri="{FF2B5EF4-FFF2-40B4-BE49-F238E27FC236}">
+                  <a16:creationId xmlns:a16="http://schemas.microsoft.com/office/drawing/2014/main" id="{AD961DA3-4A71-87AE-6FCF-568C58738B33}"/>
+                </a:ext>
+              </a:extLst>
+            </p:cNvPr>
+            <p:cNvSpPr/>
+            <p:nvPr/>
+          </p:nvSpPr>
+          <p:spPr>
+            <a:xfrm rot="10800000" flipV="1">
+              <a:off x="17811750" y="1112838"/>
+              <a:ext cx="704850" cy="280987"/>
+            </a:xfrm>
+            <a:prstGeom prst="triangle">
+              <a:avLst/>
+            </a:prstGeom>
+            <a:solidFill>
+              <a:schemeClr val="bg1"/>
+            </a:solidFill>
+            <a:ln w="12700" cap="flat" cmpd="sng" algn="ctr">
+              <a:noFill/>
+              <a:prstDash val="solid"/>
+              <a:miter lim="800000"/>
+            </a:ln>
+            <a:effectLst>
+              <a:outerShdw blurRad="50800" dist="38100" dir="16200000" rotWithShape="0">
+                <a:prstClr val="black">
+                  <a:alpha val="40000"/>
+                </a:prstClr>
+              </a:outerShdw>
+            </a:effectLst>
+          </p:spPr>
+          <p:txBody>
+            <a:bodyPr anchor="ctr"/>
+            <a:lstStyle/>
+            <a:p>
+              <a:pPr algn="ctr" defTabSz="914400" eaLnBrk="1" fontAlgn="auto" hangingPunct="1">
+                <a:spcBef>
+                  <a:spcPts val="0"/>
+                </a:spcBef>
+                <a:spcAft>
+                  <a:spcPts val="0"/>
+                </a:spcAft>
+                <a:defRPr/>
+              </a:pPr>
+              <a:endParaRPr lang="pt-PT" sz="2400" kern="0" dirty="0">
                 <a:solidFill>
-                  <a:srgbClr val="FFFFFF"/>
+                  <a:prstClr val="white"/>
                 </a:solidFill>
-              </a14:hiddenFill>
-            </a:ext>
-          </a:extLst>
-        </p:spPr>
-      </p:pic>
+                <a:latin typeface="Calibri" panose="020F0502020204030204"/>
+              </a:endParaRPr>
+            </a:p>
+          </p:txBody>
+        </p:sp>
+        <p:pic>
+          <p:nvPicPr>
+            <p:cNvPr id="7" name="Imagem 18">
+              <a:extLst>
+                <a:ext uri="{FF2B5EF4-FFF2-40B4-BE49-F238E27FC236}">
+                  <a16:creationId xmlns:a16="http://schemas.microsoft.com/office/drawing/2014/main" id="{B0BA5B9E-AD7B-6521-1E15-69CFE5720189}"/>
+                </a:ext>
+              </a:extLst>
+            </p:cNvPr>
+            <p:cNvPicPr>
+              <a:picLocks noChangeAspect="1" noChangeArrowheads="1"/>
+            </p:cNvPicPr>
+            <p:nvPr/>
+          </p:nvPicPr>
+          <p:blipFill>
+            <a:blip r:embed="rId6">
+              <a:extLst>
+                <a:ext uri="{28A0092B-C50C-407E-A947-70E740481C1C}">
+                  <a14:useLocalDpi xmlns:a14="http://schemas.microsoft.com/office/drawing/2010/main" val="0"/>
+                </a:ext>
+              </a:extLst>
+            </a:blip>
+            <a:srcRect/>
+            <a:stretch>
+              <a:fillRect/>
+            </a:stretch>
+          </p:blipFill>
+          <p:spPr bwMode="auto">
+            <a:xfrm>
+              <a:off x="411163" y="119063"/>
+              <a:ext cx="3000375" cy="1119187"/>
+            </a:xfrm>
+            <a:prstGeom prst="rect">
+              <a:avLst/>
+            </a:prstGeom>
+            <a:noFill/>
+            <a:ln>
+              <a:noFill/>
+            </a:ln>
+            <a:extLst>
+              <a:ext uri="{909E8E84-426E-40DD-AFC4-6F175D3DCCD1}">
+                <a14:hiddenFill xmlns:a14="http://schemas.microsoft.com/office/drawing/2010/main">
+                  <a:solidFill>
+                    <a:srgbClr val="FFFFFF"/>
+                  </a:solidFill>
+                </a14:hiddenFill>
+              </a:ext>
+              <a:ext uri="{91240B29-F687-4F45-9708-019B960494DF}">
+                <a14:hiddenLine xmlns:a14="http://schemas.microsoft.com/office/drawing/2010/main" w="9525">
+                  <a:solidFill>
+                    <a:srgbClr val="000000"/>
+                  </a:solidFill>
+                  <a:miter lim="800000"/>
+                  <a:headEnd/>
+                  <a:tailEnd/>
+                </a14:hiddenLine>
+              </a:ext>
+            </a:extLst>
+          </p:spPr>
+        </p:pic>
+        <p:sp>
+          <p:nvSpPr>
+            <p:cNvPr id="8" name="CaixaDeTexto 26">
+              <a:extLst>
+                <a:ext uri="{FF2B5EF4-FFF2-40B4-BE49-F238E27FC236}">
+                  <a16:creationId xmlns:a16="http://schemas.microsoft.com/office/drawing/2014/main" id="{C95BA6C0-7FC8-26DB-E5E2-CB4F4B931904}"/>
+                </a:ext>
+              </a:extLst>
+            </p:cNvPr>
+            <p:cNvSpPr txBox="1">
+              <a:spLocks noChangeArrowheads="1"/>
+            </p:cNvSpPr>
+            <p:nvPr/>
+          </p:nvSpPr>
+          <p:spPr bwMode="auto">
+            <a:xfrm>
+              <a:off x="9118600" y="278606"/>
+              <a:ext cx="8736013" cy="307975"/>
+            </a:xfrm>
+            <a:prstGeom prst="rect">
+              <a:avLst/>
+            </a:prstGeom>
+            <a:noFill/>
+            <a:ln>
+              <a:noFill/>
+            </a:ln>
+            <a:extLst>
+              <a:ext uri="{909E8E84-426E-40DD-AFC4-6F175D3DCCD1}">
+                <a14:hiddenFill xmlns:a14="http://schemas.microsoft.com/office/drawing/2010/main">
+                  <a:solidFill>
+                    <a:srgbClr val="FFFFFF"/>
+                  </a:solidFill>
+                </a14:hiddenFill>
+              </a:ext>
+              <a:ext uri="{91240B29-F687-4F45-9708-019B960494DF}">
+                <a14:hiddenLine xmlns:a14="http://schemas.microsoft.com/office/drawing/2010/main" w="9525">
+                  <a:solidFill>
+                    <a:srgbClr val="000000"/>
+                  </a:solidFill>
+                  <a:miter lim="800000"/>
+                  <a:headEnd/>
+                  <a:tailEnd/>
+                </a14:hiddenLine>
+              </a:ext>
+            </a:extLst>
+          </p:spPr>
+          <p:txBody>
+            <a:bodyPr>
+              <a:spAutoFit/>
+            </a:bodyPr>
+            <a:lstStyle>
+              <a:lvl1pPr>
+                <a:defRPr>
+                  <a:solidFill>
+                    <a:schemeClr val="tx1"/>
+                  </a:solidFill>
+                  <a:latin typeface="Calibri" panose="020F0502020204030204" pitchFamily="34" charset="0"/>
+                </a:defRPr>
+              </a:lvl1pPr>
+              <a:lvl2pPr marL="742950" indent="-285750">
+                <a:defRPr>
+                  <a:solidFill>
+                    <a:schemeClr val="tx1"/>
+                  </a:solidFill>
+                  <a:latin typeface="Calibri" panose="020F0502020204030204" pitchFamily="34" charset="0"/>
+                </a:defRPr>
+              </a:lvl2pPr>
+              <a:lvl3pPr marL="1143000" indent="-228600">
+                <a:defRPr>
+                  <a:solidFill>
+                    <a:schemeClr val="tx1"/>
+                  </a:solidFill>
+                  <a:latin typeface="Calibri" panose="020F0502020204030204" pitchFamily="34" charset="0"/>
+                </a:defRPr>
+              </a:lvl3pPr>
+              <a:lvl4pPr marL="1600200" indent="-228600">
+                <a:defRPr>
+                  <a:solidFill>
+                    <a:schemeClr val="tx1"/>
+                  </a:solidFill>
+                  <a:latin typeface="Calibri" panose="020F0502020204030204" pitchFamily="34" charset="0"/>
+                </a:defRPr>
+              </a:lvl4pPr>
+              <a:lvl5pPr marL="2057400" indent="-228600">
+                <a:defRPr>
+                  <a:solidFill>
+                    <a:schemeClr val="tx1"/>
+                  </a:solidFill>
+                  <a:latin typeface="Calibri" panose="020F0502020204030204" pitchFamily="34" charset="0"/>
+                </a:defRPr>
+              </a:lvl5pPr>
+              <a:lvl6pPr marL="2514600" indent="-228600" eaLnBrk="0" fontAlgn="base" hangingPunct="0">
+                <a:spcBef>
+                  <a:spcPct val="0"/>
+                </a:spcBef>
+                <a:spcAft>
+                  <a:spcPct val="0"/>
+                </a:spcAft>
+                <a:defRPr>
+                  <a:solidFill>
+                    <a:schemeClr val="tx1"/>
+                  </a:solidFill>
+                  <a:latin typeface="Calibri" panose="020F0502020204030204" pitchFamily="34" charset="0"/>
+                </a:defRPr>
+              </a:lvl6pPr>
+              <a:lvl7pPr marL="2971800" indent="-228600" eaLnBrk="0" fontAlgn="base" hangingPunct="0">
+                <a:spcBef>
+                  <a:spcPct val="0"/>
+                </a:spcBef>
+                <a:spcAft>
+                  <a:spcPct val="0"/>
+                </a:spcAft>
+                <a:defRPr>
+                  <a:solidFill>
+                    <a:schemeClr val="tx1"/>
+                  </a:solidFill>
+                  <a:latin typeface="Calibri" panose="020F0502020204030204" pitchFamily="34" charset="0"/>
+                </a:defRPr>
+              </a:lvl7pPr>
+              <a:lvl8pPr marL="3429000" indent="-228600" eaLnBrk="0" fontAlgn="base" hangingPunct="0">
+                <a:spcBef>
+                  <a:spcPct val="0"/>
+                </a:spcBef>
+                <a:spcAft>
+                  <a:spcPct val="0"/>
+                </a:spcAft>
+                <a:defRPr>
+                  <a:solidFill>
+                    <a:schemeClr val="tx1"/>
+                  </a:solidFill>
+                  <a:latin typeface="Calibri" panose="020F0502020204030204" pitchFamily="34" charset="0"/>
+                </a:defRPr>
+              </a:lvl8pPr>
+              <a:lvl9pPr marL="3886200" indent="-228600" eaLnBrk="0" fontAlgn="base" hangingPunct="0">
+                <a:spcBef>
+                  <a:spcPct val="0"/>
+                </a:spcBef>
+                <a:spcAft>
+                  <a:spcPct val="0"/>
+                </a:spcAft>
+                <a:defRPr>
+                  <a:solidFill>
+                    <a:schemeClr val="tx1"/>
+                  </a:solidFill>
+                  <a:latin typeface="Calibri" panose="020F0502020204030204" pitchFamily="34" charset="0"/>
+                </a:defRPr>
+              </a:lvl9pPr>
+            </a:lstStyle>
+            <a:p>
+              <a:pPr algn="r" defTabSz="914400" eaLnBrk="1" hangingPunct="1"/>
+              <a:r>
+                <a:rPr lang="en-GB" altLang="en-US" sz="1400" dirty="0">
+                  <a:solidFill>
+                    <a:srgbClr val="01244B"/>
+                  </a:solidFill>
+                  <a:latin typeface="Arial" panose="020B0604020202020204" pitchFamily="34" charset="0"/>
+                </a:rPr>
+                <a:t>23‒25 October 2024    Lisbon, Portugal    lisbonaddictions.eu    #LxAddictions24</a:t>
+              </a:r>
+              <a:endParaRPr lang="en-GB" altLang="en-US" sz="2400" dirty="0">
+                <a:solidFill>
+                  <a:srgbClr val="01244B"/>
+                </a:solidFill>
+                <a:latin typeface="Arial" panose="020B0604020202020204" pitchFamily="34" charset="0"/>
+              </a:endParaRPr>
+            </a:p>
+          </p:txBody>
+        </p:sp>
+        <p:pic>
+          <p:nvPicPr>
+            <p:cNvPr id="12" name="Imagem 36">
+              <a:extLst>
+                <a:ext uri="{FF2B5EF4-FFF2-40B4-BE49-F238E27FC236}">
+                  <a16:creationId xmlns:a16="http://schemas.microsoft.com/office/drawing/2014/main" id="{F3AD07AF-71A4-A835-C86C-22FFE6977051}"/>
+                </a:ext>
+              </a:extLst>
+            </p:cNvPr>
+            <p:cNvPicPr>
+              <a:picLocks noChangeAspect="1" noChangeArrowheads="1"/>
+            </p:cNvPicPr>
+            <p:nvPr/>
+          </p:nvPicPr>
+          <p:blipFill>
+            <a:blip r:embed="rId7">
+              <a:extLst>
+                <a:ext uri="{28A0092B-C50C-407E-A947-70E740481C1C}">
+                  <a14:useLocalDpi xmlns:a14="http://schemas.microsoft.com/office/drawing/2010/main" val="0"/>
+                </a:ext>
+              </a:extLst>
+            </a:blip>
+            <a:srcRect/>
+            <a:stretch>
+              <a:fillRect/>
+            </a:stretch>
+          </p:blipFill>
+          <p:spPr bwMode="auto">
+            <a:xfrm>
+              <a:off x="3352800" y="169863"/>
+              <a:ext cx="6848475" cy="1039812"/>
+            </a:xfrm>
+            <a:prstGeom prst="rect">
+              <a:avLst/>
+            </a:prstGeom>
+            <a:noFill/>
+            <a:ln>
+              <a:noFill/>
+            </a:ln>
+            <a:extLst>
+              <a:ext uri="{909E8E84-426E-40DD-AFC4-6F175D3DCCD1}">
+                <a14:hiddenFill xmlns:a14="http://schemas.microsoft.com/office/drawing/2010/main">
+                  <a:solidFill>
+                    <a:srgbClr val="FFFFFF"/>
+                  </a:solidFill>
+                </a14:hiddenFill>
+              </a:ext>
+              <a:ext uri="{91240B29-F687-4F45-9708-019B960494DF}">
+                <a14:hiddenLine xmlns:a14="http://schemas.microsoft.com/office/drawing/2010/main" w="9525">
+                  <a:solidFill>
+                    <a:srgbClr val="000000"/>
+                  </a:solidFill>
+                  <a:miter lim="800000"/>
+                  <a:headEnd/>
+                  <a:tailEnd/>
+                </a14:hiddenLine>
+              </a:ext>
+            </a:extLst>
+          </p:spPr>
+        </p:pic>
+      </p:grpSp>
     </p:spTree>
     <p:extLst>
       <p:ext uri="{BB962C8B-B14F-4D97-AF65-F5344CB8AC3E}">
@@ -4988,6 +5595,58 @@
           </a:prstGeom>
         </p:spPr>
       </p:pic>
+      <p:sp>
+        <p:nvSpPr>
+          <p:cNvPr id="5" name="Oval 4">
+            <a:extLst>
+              <a:ext uri="{FF2B5EF4-FFF2-40B4-BE49-F238E27FC236}">
+                <a16:creationId xmlns:a16="http://schemas.microsoft.com/office/drawing/2014/main" id="{9FBBEB12-88DF-C065-92A8-0DC330E08495}"/>
+              </a:ext>
+            </a:extLst>
+          </p:cNvPr>
+          <p:cNvSpPr/>
+          <p:nvPr/>
+        </p:nvSpPr>
+        <p:spPr>
+          <a:xfrm>
+            <a:off x="10912644" y="5906814"/>
+            <a:ext cx="1174253" cy="951186"/>
+          </a:xfrm>
+          <a:prstGeom prst="ellipse">
+            <a:avLst/>
+          </a:prstGeom>
+          <a:solidFill>
+            <a:srgbClr val="FF0000"/>
+          </a:solidFill>
+        </p:spPr>
+        <p:style>
+          <a:lnRef idx="2">
+            <a:schemeClr val="accent1">
+              <a:shade val="15000"/>
+            </a:schemeClr>
+          </a:lnRef>
+          <a:fillRef idx="1">
+            <a:schemeClr val="accent1"/>
+          </a:fillRef>
+          <a:effectRef idx="0">
+            <a:schemeClr val="accent1"/>
+          </a:effectRef>
+          <a:fontRef idx="minor">
+            <a:schemeClr val="lt1"/>
+          </a:fontRef>
+        </p:style>
+        <p:txBody>
+          <a:bodyPr rtlCol="0" anchor="ctr"/>
+          <a:lstStyle/>
+          <a:p>
+            <a:pPr algn="ctr"/>
+            <a:r>
+              <a:rPr lang="en-US" sz="3800" dirty="0"/>
+              <a:t>R</a:t>
+            </a:r>
+          </a:p>
+        </p:txBody>
+      </p:sp>
     </p:spTree>
     <p:extLst>
       <p:ext uri="{BB962C8B-B14F-4D97-AF65-F5344CB8AC3E}">
@@ -5772,6 +6431,58 @@
           </a:prstGeom>
         </p:spPr>
       </p:pic>
+      <p:sp>
+        <p:nvSpPr>
+          <p:cNvPr id="3" name="Oval 2">
+            <a:extLst>
+              <a:ext uri="{FF2B5EF4-FFF2-40B4-BE49-F238E27FC236}">
+                <a16:creationId xmlns:a16="http://schemas.microsoft.com/office/drawing/2014/main" id="{887E4ED9-5D25-B338-52B8-B7AC4265DC2C}"/>
+              </a:ext>
+            </a:extLst>
+          </p:cNvPr>
+          <p:cNvSpPr/>
+          <p:nvPr/>
+        </p:nvSpPr>
+        <p:spPr>
+          <a:xfrm>
+            <a:off x="10912644" y="5906814"/>
+            <a:ext cx="1174253" cy="951186"/>
+          </a:xfrm>
+          <a:prstGeom prst="ellipse">
+            <a:avLst/>
+          </a:prstGeom>
+          <a:solidFill>
+            <a:srgbClr val="FF0000"/>
+          </a:solidFill>
+        </p:spPr>
+        <p:style>
+          <a:lnRef idx="2">
+            <a:schemeClr val="accent1">
+              <a:shade val="15000"/>
+            </a:schemeClr>
+          </a:lnRef>
+          <a:fillRef idx="1">
+            <a:schemeClr val="accent1"/>
+          </a:fillRef>
+          <a:effectRef idx="0">
+            <a:schemeClr val="accent1"/>
+          </a:effectRef>
+          <a:fontRef idx="minor">
+            <a:schemeClr val="lt1"/>
+          </a:fontRef>
+        </p:style>
+        <p:txBody>
+          <a:bodyPr rtlCol="0" anchor="ctr"/>
+          <a:lstStyle/>
+          <a:p>
+            <a:pPr algn="ctr"/>
+            <a:r>
+              <a:rPr lang="en-US" sz="3800" dirty="0"/>
+              <a:t>R</a:t>
+            </a:r>
+          </a:p>
+        </p:txBody>
+      </p:sp>
     </p:spTree>
     <p:extLst>
       <p:ext uri="{BB962C8B-B14F-4D97-AF65-F5344CB8AC3E}">
@@ -8227,7 +8938,7 @@
         <p:spPr/>
         <p:txBody>
           <a:bodyPr>
-            <a:normAutofit fontScale="92500" lnSpcReduction="20000"/>
+            <a:normAutofit fontScale="62500" lnSpcReduction="20000"/>
           </a:bodyPr>
           <a:lstStyle/>
           <a:p>
@@ -8353,20 +9064,8 @@
               <a:buNone/>
             </a:pPr>
             <a:r>
-              <a:rPr lang="en-US" dirty="0" err="1"/>
-              <a:t>doMC</a:t>
-            </a:r>
-            <a:r>
-              <a:rPr lang="en-US" dirty="0"/>
-              <a:t>::</a:t>
-            </a:r>
-            <a:r>
-              <a:rPr lang="en-US" dirty="0" err="1"/>
-              <a:t>registerDoMC</a:t>
-            </a:r>
-            <a:r>
-              <a:rPr lang="en-US" dirty="0"/>
-              <a:t>(cores = parallel::</a:t>
+              <a:rPr lang="en-US" dirty="0"/>
+              <a:t>parallel::</a:t>
             </a:r>
             <a:r>
               <a:rPr lang="en-US" dirty="0" err="1"/>
@@ -8374,28 +9073,7 @@
             </a:r>
             <a:r>
               <a:rPr lang="en-US" dirty="0"/>
-              <a:t>(logical = FALSE))</a:t>
-            </a:r>
-          </a:p>
-          <a:p>
-            <a:pPr marL="0" indent="0">
-              <a:buNone/>
-            </a:pPr>
-            <a:r>
-              <a:rPr lang="en-US" dirty="0" err="1"/>
-              <a:t>doMC</a:t>
-            </a:r>
-            <a:r>
-              <a:rPr lang="en-US" dirty="0"/>
-              <a:t>::</a:t>
-            </a:r>
-            <a:r>
-              <a:rPr lang="en-US" dirty="0" err="1"/>
-              <a:t>registerDoMC</a:t>
-            </a:r>
-            <a:r>
-              <a:rPr lang="en-US" dirty="0"/>
-              <a:t>(cores = 4)</a:t>
+              <a:t>(logical = FALSE) # How many cores available</a:t>
             </a:r>
           </a:p>
           <a:p>
@@ -8403,6 +9081,37 @@
               <a:buNone/>
             </a:pPr>
             <a:endParaRPr lang="en-US" dirty="0"/>
+          </a:p>
+          <a:p>
+            <a:pPr marL="0" indent="0">
+              <a:buNone/>
+            </a:pPr>
+            <a:r>
+              <a:rPr lang="en-US" dirty="0"/>
+              <a:t># Set up the parallel backend using future</a:t>
+            </a:r>
+          </a:p>
+          <a:p>
+            <a:pPr marL="0" indent="0">
+              <a:buNone/>
+            </a:pPr>
+            <a:r>
+              <a:rPr lang="en-US" dirty="0"/>
+              <a:t>plan(multicore, workers = 8) # Use 8 cores for parallel processing</a:t>
+            </a:r>
+          </a:p>
+          <a:p>
+            <a:pPr marL="0" indent="0">
+              <a:buNone/>
+            </a:pPr>
+            <a:r>
+              <a:rPr lang="en-US" dirty="0" err="1"/>
+              <a:t>registerDoFuture</a:t>
+            </a:r>
+            <a:r>
+              <a:rPr lang="en-US" dirty="0"/>
+              <a:t>()</a:t>
+            </a:r>
           </a:p>
         </p:txBody>
       </p:sp>
@@ -12502,7 +13211,7 @@
                   <a:srgbClr val="FF0000"/>
                 </a:solidFill>
               </a:rPr>
-              <a:t>Document classification</a:t>
+              <a:t>Text/Document classification</a:t>
             </a:r>
           </a:p>
           <a:p>
@@ -16779,6 +17488,58 @@
           </a:graphicData>
         </a:graphic>
       </p:graphicFrame>
+      <p:sp>
+        <p:nvSpPr>
+          <p:cNvPr id="3" name="Oval 2">
+            <a:extLst>
+              <a:ext uri="{FF2B5EF4-FFF2-40B4-BE49-F238E27FC236}">
+                <a16:creationId xmlns:a16="http://schemas.microsoft.com/office/drawing/2014/main" id="{48E7F8BF-83D0-2A7F-B2DE-060040D2B1E1}"/>
+              </a:ext>
+            </a:extLst>
+          </p:cNvPr>
+          <p:cNvSpPr/>
+          <p:nvPr/>
+        </p:nvSpPr>
+        <p:spPr>
+          <a:xfrm>
+            <a:off x="10912644" y="5906814"/>
+            <a:ext cx="1174253" cy="951186"/>
+          </a:xfrm>
+          <a:prstGeom prst="ellipse">
+            <a:avLst/>
+          </a:prstGeom>
+          <a:solidFill>
+            <a:srgbClr val="FF0000"/>
+          </a:solidFill>
+        </p:spPr>
+        <p:style>
+          <a:lnRef idx="2">
+            <a:schemeClr val="accent1">
+              <a:shade val="15000"/>
+            </a:schemeClr>
+          </a:lnRef>
+          <a:fillRef idx="1">
+            <a:schemeClr val="accent1"/>
+          </a:fillRef>
+          <a:effectRef idx="0">
+            <a:schemeClr val="accent1"/>
+          </a:effectRef>
+          <a:fontRef idx="minor">
+            <a:schemeClr val="lt1"/>
+          </a:fontRef>
+        </p:style>
+        <p:txBody>
+          <a:bodyPr rtlCol="0" anchor="ctr"/>
+          <a:lstStyle/>
+          <a:p>
+            <a:pPr algn="ctr"/>
+            <a:r>
+              <a:rPr lang="en-US" sz="3800" dirty="0"/>
+              <a:t>R</a:t>
+            </a:r>
+          </a:p>
+        </p:txBody>
+      </p:sp>
     </p:spTree>
     <p:extLst>
       <p:ext uri="{BB962C8B-B14F-4D97-AF65-F5344CB8AC3E}">
